--- a/BCA_III/Vulnerability Analysis and management.pptx
+++ b/BCA_III/Vulnerability Analysis and management.pptx
@@ -270,7 +270,7 @@
             <a:fld id="{27406D3F-E7C6-4CBD-AE6F-C0C9E9F7C852}" type="datetimeFigureOut">
               <a:rPr lang="en-US" smtClean="0"/>
               <a:pPr/>
-              <a:t>12/15/2018</a:t>
+              <a:t>3/30/2019</a:t>
             </a:fld>
             <a:endParaRPr lang="en-US"/>
           </a:p>
@@ -1141,7 +1141,7 @@
             <a:fld id="{27406D3F-E7C6-4CBD-AE6F-C0C9E9F7C852}" type="datetimeFigureOut">
               <a:rPr lang="en-US" smtClean="0"/>
               <a:pPr/>
-              <a:t>12/15/2018</a:t>
+              <a:t>3/30/2019</a:t>
             </a:fld>
             <a:endParaRPr lang="en-US"/>
           </a:p>
@@ -1318,7 +1318,7 @@
             <a:fld id="{27406D3F-E7C6-4CBD-AE6F-C0C9E9F7C852}" type="datetimeFigureOut">
               <a:rPr lang="en-US" smtClean="0"/>
               <a:pPr/>
-              <a:t>12/15/2018</a:t>
+              <a:t>3/30/2019</a:t>
             </a:fld>
             <a:endParaRPr lang="en-US"/>
           </a:p>
@@ -1490,7 +1490,7 @@
             <a:fld id="{27406D3F-E7C6-4CBD-AE6F-C0C9E9F7C852}" type="datetimeFigureOut">
               <a:rPr lang="en-US" smtClean="0"/>
               <a:pPr/>
-              <a:t>12/15/2018</a:t>
+              <a:t>3/30/2019</a:t>
             </a:fld>
             <a:endParaRPr lang="en-US"/>
           </a:p>
@@ -1702,7 +1702,7 @@
             <a:fld id="{27406D3F-E7C6-4CBD-AE6F-C0C9E9F7C852}" type="datetimeFigureOut">
               <a:rPr lang="en-US" smtClean="0"/>
               <a:pPr/>
-              <a:t>12/15/2018</a:t>
+              <a:t>3/30/2019</a:t>
             </a:fld>
             <a:endParaRPr lang="en-US"/>
           </a:p>
@@ -2518,7 +2518,7 @@
             <a:fld id="{27406D3F-E7C6-4CBD-AE6F-C0C9E9F7C852}" type="datetimeFigureOut">
               <a:rPr lang="en-US" smtClean="0"/>
               <a:pPr/>
-              <a:t>12/15/2018</a:t>
+              <a:t>3/30/2019</a:t>
             </a:fld>
             <a:endParaRPr lang="en-US"/>
           </a:p>
@@ -2756,7 +2756,7 @@
             <a:fld id="{27406D3F-E7C6-4CBD-AE6F-C0C9E9F7C852}" type="datetimeFigureOut">
               <a:rPr lang="en-US" smtClean="0"/>
               <a:pPr/>
-              <a:t>12/15/2018</a:t>
+              <a:t>3/30/2019</a:t>
             </a:fld>
             <a:endParaRPr lang="en-US"/>
           </a:p>
@@ -3081,7 +3081,7 @@
             <a:fld id="{27406D3F-E7C6-4CBD-AE6F-C0C9E9F7C852}" type="datetimeFigureOut">
               <a:rPr lang="en-US" smtClean="0"/>
               <a:pPr/>
-              <a:t>12/15/2018</a:t>
+              <a:t>3/30/2019</a:t>
             </a:fld>
             <a:endParaRPr lang="en-US"/>
           </a:p>
@@ -3173,7 +3173,7 @@
             <a:fld id="{27406D3F-E7C6-4CBD-AE6F-C0C9E9F7C852}" type="datetimeFigureOut">
               <a:rPr lang="en-US" smtClean="0"/>
               <a:pPr/>
-              <a:t>12/15/2018</a:t>
+              <a:t>3/30/2019</a:t>
             </a:fld>
             <a:endParaRPr lang="en-US"/>
           </a:p>
@@ -3692,7 +3692,7 @@
             <a:fld id="{27406D3F-E7C6-4CBD-AE6F-C0C9E9F7C852}" type="datetimeFigureOut">
               <a:rPr lang="en-US" smtClean="0"/>
               <a:pPr/>
-              <a:t>12/15/2018</a:t>
+              <a:t>3/30/2019</a:t>
             </a:fld>
             <a:endParaRPr lang="en-US"/>
           </a:p>
@@ -4205,7 +4205,7 @@
             <a:fld id="{27406D3F-E7C6-4CBD-AE6F-C0C9E9F7C852}" type="datetimeFigureOut">
               <a:rPr lang="en-US" smtClean="0"/>
               <a:pPr/>
-              <a:t>12/15/2018</a:t>
+              <a:t>3/30/2019</a:t>
             </a:fld>
             <a:endParaRPr lang="en-US"/>
           </a:p>
@@ -4452,7 +4452,7 @@
             <a:fld id="{27406D3F-E7C6-4CBD-AE6F-C0C9E9F7C852}" type="datetimeFigureOut">
               <a:rPr lang="en-US" smtClean="0"/>
               <a:pPr/>
-              <a:t>12/15/2018</a:t>
+              <a:t>3/30/2019</a:t>
             </a:fld>
             <a:endParaRPr lang="en-US"/>
           </a:p>

--- a/BCA_III/Vulnerability Analysis and management.pptx
+++ b/BCA_III/Vulnerability Analysis and management.pptx
@@ -270,7 +270,7 @@
             <a:fld id="{27406D3F-E7C6-4CBD-AE6F-C0C9E9F7C852}" type="datetimeFigureOut">
               <a:rPr lang="en-US" smtClean="0"/>
               <a:pPr/>
-              <a:t>3/30/2019</a:t>
+              <a:t>11/16/2019</a:t>
             </a:fld>
             <a:endParaRPr lang="en-US"/>
           </a:p>
@@ -1141,7 +1141,7 @@
             <a:fld id="{27406D3F-E7C6-4CBD-AE6F-C0C9E9F7C852}" type="datetimeFigureOut">
               <a:rPr lang="en-US" smtClean="0"/>
               <a:pPr/>
-              <a:t>3/30/2019</a:t>
+              <a:t>11/16/2019</a:t>
             </a:fld>
             <a:endParaRPr lang="en-US"/>
           </a:p>
@@ -1318,7 +1318,7 @@
             <a:fld id="{27406D3F-E7C6-4CBD-AE6F-C0C9E9F7C852}" type="datetimeFigureOut">
               <a:rPr lang="en-US" smtClean="0"/>
               <a:pPr/>
-              <a:t>3/30/2019</a:t>
+              <a:t>11/16/2019</a:t>
             </a:fld>
             <a:endParaRPr lang="en-US"/>
           </a:p>
@@ -1490,7 +1490,7 @@
             <a:fld id="{27406D3F-E7C6-4CBD-AE6F-C0C9E9F7C852}" type="datetimeFigureOut">
               <a:rPr lang="en-US" smtClean="0"/>
               <a:pPr/>
-              <a:t>3/30/2019</a:t>
+              <a:t>11/16/2019</a:t>
             </a:fld>
             <a:endParaRPr lang="en-US"/>
           </a:p>
@@ -1702,7 +1702,7 @@
             <a:fld id="{27406D3F-E7C6-4CBD-AE6F-C0C9E9F7C852}" type="datetimeFigureOut">
               <a:rPr lang="en-US" smtClean="0"/>
               <a:pPr/>
-              <a:t>3/30/2019</a:t>
+              <a:t>11/16/2019</a:t>
             </a:fld>
             <a:endParaRPr lang="en-US"/>
           </a:p>
@@ -2518,7 +2518,7 @@
             <a:fld id="{27406D3F-E7C6-4CBD-AE6F-C0C9E9F7C852}" type="datetimeFigureOut">
               <a:rPr lang="en-US" smtClean="0"/>
               <a:pPr/>
-              <a:t>3/30/2019</a:t>
+              <a:t>11/16/2019</a:t>
             </a:fld>
             <a:endParaRPr lang="en-US"/>
           </a:p>
@@ -2756,7 +2756,7 @@
             <a:fld id="{27406D3F-E7C6-4CBD-AE6F-C0C9E9F7C852}" type="datetimeFigureOut">
               <a:rPr lang="en-US" smtClean="0"/>
               <a:pPr/>
-              <a:t>3/30/2019</a:t>
+              <a:t>11/16/2019</a:t>
             </a:fld>
             <a:endParaRPr lang="en-US"/>
           </a:p>
@@ -3081,7 +3081,7 @@
             <a:fld id="{27406D3F-E7C6-4CBD-AE6F-C0C9E9F7C852}" type="datetimeFigureOut">
               <a:rPr lang="en-US" smtClean="0"/>
               <a:pPr/>
-              <a:t>3/30/2019</a:t>
+              <a:t>11/16/2019</a:t>
             </a:fld>
             <a:endParaRPr lang="en-US"/>
           </a:p>
@@ -3173,7 +3173,7 @@
             <a:fld id="{27406D3F-E7C6-4CBD-AE6F-C0C9E9F7C852}" type="datetimeFigureOut">
               <a:rPr lang="en-US" smtClean="0"/>
               <a:pPr/>
-              <a:t>3/30/2019</a:t>
+              <a:t>11/16/2019</a:t>
             </a:fld>
             <a:endParaRPr lang="en-US"/>
           </a:p>
@@ -3692,7 +3692,7 @@
             <a:fld id="{27406D3F-E7C6-4CBD-AE6F-C0C9E9F7C852}" type="datetimeFigureOut">
               <a:rPr lang="en-US" smtClean="0"/>
               <a:pPr/>
-              <a:t>3/30/2019</a:t>
+              <a:t>11/16/2019</a:t>
             </a:fld>
             <a:endParaRPr lang="en-US"/>
           </a:p>
@@ -4205,7 +4205,7 @@
             <a:fld id="{27406D3F-E7C6-4CBD-AE6F-C0C9E9F7C852}" type="datetimeFigureOut">
               <a:rPr lang="en-US" smtClean="0"/>
               <a:pPr/>
-              <a:t>3/30/2019</a:t>
+              <a:t>11/16/2019</a:t>
             </a:fld>
             <a:endParaRPr lang="en-US"/>
           </a:p>
@@ -4452,7 +4452,7 @@
             <a:fld id="{27406D3F-E7C6-4CBD-AE6F-C0C9E9F7C852}" type="datetimeFigureOut">
               <a:rPr lang="en-US" smtClean="0"/>
               <a:pPr/>
-              <a:t>3/30/2019</a:t>
+              <a:t>11/16/2019</a:t>
             </a:fld>
             <a:endParaRPr lang="en-US"/>
           </a:p>
@@ -6848,6 +6848,13 @@
   <p:clrMapOvr>
     <a:masterClrMapping/>
   </p:clrMapOvr>
+  <p:timing>
+    <p:tnLst>
+      <p:par>
+        <p:cTn id="1" dur="indefinite" restart="never" nodeType="tmRoot"/>
+      </p:par>
+    </p:tnLst>
+  </p:timing>
 </p:sld>
 </file>
 

--- a/BCA_III/Vulnerability Analysis and management.pptx
+++ b/BCA_III/Vulnerability Analysis and management.pptx
@@ -129,6 +129,22 @@
       </a:defRPr>
     </a:lvl9pPr>
   </p:defaultTextStyle>
+  <p:extLst>
+    <p:ext uri="{EFAFB233-063F-42B5-8137-9DF3F51BA10A}">
+      <p15:sldGuideLst xmlns:p15="http://schemas.microsoft.com/office/powerpoint/2012/main">
+        <p15:guide id="1" orient="horz" pos="2160">
+          <p15:clr>
+            <a:srgbClr val="A4A3A4"/>
+          </p15:clr>
+        </p15:guide>
+        <p15:guide id="2" pos="2880">
+          <p15:clr>
+            <a:srgbClr val="A4A3A4"/>
+          </p15:clr>
+        </p15:guide>
+      </p15:sldGuideLst>
+    </p:ext>
+  </p:extLst>
 </p:presentation>
 </file>
 
@@ -179,10 +195,9 @@
           </a:lstStyle>
           <a:p>
             <a:r>
-              <a:rPr kumimoji="0" lang="en-US" smtClean="0"/>
+              <a:rPr kumimoji="0" lang="en-US"/>
               <a:t>Click to edit Master title style</a:t>
             </a:r>
-            <a:endParaRPr kumimoji="0" lang="en-US"/>
           </a:p>
         </p:txBody>
       </p:sp>
@@ -240,10 +255,9 @@
           </a:lstStyle>
           <a:p>
             <a:r>
-              <a:rPr kumimoji="0" lang="en-US" smtClean="0"/>
+              <a:rPr kumimoji="0" lang="en-US"/>
               <a:t>Click to edit Master subtitle style</a:t>
             </a:r>
-            <a:endParaRPr kumimoji="0" lang="en-US"/>
           </a:p>
         </p:txBody>
       </p:sp>
@@ -270,7 +284,7 @@
             <a:fld id="{27406D3F-E7C6-4CBD-AE6F-C0C9E9F7C852}" type="datetimeFigureOut">
               <a:rPr lang="en-US" smtClean="0"/>
               <a:pPr/>
-              <a:t>11/16/2019</a:t>
+              <a:t>11/30/2019</a:t>
             </a:fld>
             <a:endParaRPr lang="en-US"/>
           </a:p>
@@ -1064,10 +1078,9 @@
           <a:lstStyle/>
           <a:p>
             <a:r>
-              <a:rPr kumimoji="0" lang="en-US" smtClean="0"/>
+              <a:rPr kumimoji="0" lang="en-US"/>
               <a:t>Click to edit Master title style</a:t>
             </a:r>
-            <a:endParaRPr kumimoji="0" lang="en-US"/>
           </a:p>
         </p:txBody>
       </p:sp>
@@ -1088,35 +1101,35 @@
           <a:p>
             <a:pPr lvl="0" eaLnBrk="1" latinLnBrk="0" hangingPunct="1"/>
             <a:r>
-              <a:rPr lang="en-US" smtClean="0"/>
+              <a:rPr lang="en-US"/>
               <a:t>Click to edit Master text styles</a:t>
             </a:r>
           </a:p>
           <a:p>
             <a:pPr lvl="1" eaLnBrk="1" latinLnBrk="0" hangingPunct="1"/>
             <a:r>
-              <a:rPr lang="en-US" smtClean="0"/>
+              <a:rPr lang="en-US"/>
               <a:t>Second level</a:t>
             </a:r>
           </a:p>
           <a:p>
             <a:pPr lvl="2" eaLnBrk="1" latinLnBrk="0" hangingPunct="1"/>
             <a:r>
-              <a:rPr lang="en-US" smtClean="0"/>
+              <a:rPr lang="en-US"/>
               <a:t>Third level</a:t>
             </a:r>
           </a:p>
           <a:p>
             <a:pPr lvl="3" eaLnBrk="1" latinLnBrk="0" hangingPunct="1"/>
             <a:r>
-              <a:rPr lang="en-US" smtClean="0"/>
+              <a:rPr lang="en-US"/>
               <a:t>Fourth level</a:t>
             </a:r>
           </a:p>
           <a:p>
             <a:pPr lvl="4" eaLnBrk="1" latinLnBrk="0" hangingPunct="1"/>
             <a:r>
-              <a:rPr lang="en-US" smtClean="0"/>
+              <a:rPr lang="en-US"/>
               <a:t>Fifth level</a:t>
             </a:r>
             <a:endParaRPr kumimoji="0" lang="en-US"/>
@@ -1141,7 +1154,7 @@
             <a:fld id="{27406D3F-E7C6-4CBD-AE6F-C0C9E9F7C852}" type="datetimeFigureOut">
               <a:rPr lang="en-US" smtClean="0"/>
               <a:pPr/>
-              <a:t>11/16/2019</a:t>
+              <a:t>11/30/2019</a:t>
             </a:fld>
             <a:endParaRPr lang="en-US"/>
           </a:p>
@@ -1236,10 +1249,9 @@
           <a:lstStyle/>
           <a:p>
             <a:r>
-              <a:rPr kumimoji="0" lang="en-US" smtClean="0"/>
+              <a:rPr kumimoji="0" lang="en-US"/>
               <a:t>Click to edit Master title style</a:t>
             </a:r>
-            <a:endParaRPr kumimoji="0" lang="en-US"/>
           </a:p>
         </p:txBody>
       </p:sp>
@@ -1265,35 +1277,35 @@
           <a:p>
             <a:pPr lvl="0" eaLnBrk="1" latinLnBrk="0" hangingPunct="1"/>
             <a:r>
-              <a:rPr lang="en-US" smtClean="0"/>
+              <a:rPr lang="en-US"/>
               <a:t>Click to edit Master text styles</a:t>
             </a:r>
           </a:p>
           <a:p>
             <a:pPr lvl="1" eaLnBrk="1" latinLnBrk="0" hangingPunct="1"/>
             <a:r>
-              <a:rPr lang="en-US" smtClean="0"/>
+              <a:rPr lang="en-US"/>
               <a:t>Second level</a:t>
             </a:r>
           </a:p>
           <a:p>
             <a:pPr lvl="2" eaLnBrk="1" latinLnBrk="0" hangingPunct="1"/>
             <a:r>
-              <a:rPr lang="en-US" smtClean="0"/>
+              <a:rPr lang="en-US"/>
               <a:t>Third level</a:t>
             </a:r>
           </a:p>
           <a:p>
             <a:pPr lvl="3" eaLnBrk="1" latinLnBrk="0" hangingPunct="1"/>
             <a:r>
-              <a:rPr lang="en-US" smtClean="0"/>
+              <a:rPr lang="en-US"/>
               <a:t>Fourth level</a:t>
             </a:r>
           </a:p>
           <a:p>
             <a:pPr lvl="4" eaLnBrk="1" latinLnBrk="0" hangingPunct="1"/>
             <a:r>
-              <a:rPr lang="en-US" smtClean="0"/>
+              <a:rPr lang="en-US"/>
               <a:t>Fifth level</a:t>
             </a:r>
             <a:endParaRPr kumimoji="0" lang="en-US"/>
@@ -1318,7 +1330,7 @@
             <a:fld id="{27406D3F-E7C6-4CBD-AE6F-C0C9E9F7C852}" type="datetimeFigureOut">
               <a:rPr lang="en-US" smtClean="0"/>
               <a:pPr/>
-              <a:t>11/16/2019</a:t>
+              <a:t>11/30/2019</a:t>
             </a:fld>
             <a:endParaRPr lang="en-US"/>
           </a:p>
@@ -1408,10 +1420,9 @@
           <a:lstStyle/>
           <a:p>
             <a:r>
-              <a:rPr kumimoji="0" lang="en-US" smtClean="0"/>
+              <a:rPr kumimoji="0" lang="en-US"/>
               <a:t>Click to edit Master title style</a:t>
             </a:r>
-            <a:endParaRPr kumimoji="0" lang="en-US"/>
           </a:p>
         </p:txBody>
       </p:sp>
@@ -1437,35 +1448,35 @@
           <a:p>
             <a:pPr lvl="0" eaLnBrk="1" latinLnBrk="0" hangingPunct="1"/>
             <a:r>
-              <a:rPr lang="en-US" smtClean="0"/>
+              <a:rPr lang="en-US"/>
               <a:t>Click to edit Master text styles</a:t>
             </a:r>
           </a:p>
           <a:p>
             <a:pPr lvl="1" eaLnBrk="1" latinLnBrk="0" hangingPunct="1"/>
             <a:r>
-              <a:rPr lang="en-US" smtClean="0"/>
+              <a:rPr lang="en-US"/>
               <a:t>Second level</a:t>
             </a:r>
           </a:p>
           <a:p>
             <a:pPr lvl="2" eaLnBrk="1" latinLnBrk="0" hangingPunct="1"/>
             <a:r>
-              <a:rPr lang="en-US" smtClean="0"/>
+              <a:rPr lang="en-US"/>
               <a:t>Third level</a:t>
             </a:r>
           </a:p>
           <a:p>
             <a:pPr lvl="3" eaLnBrk="1" latinLnBrk="0" hangingPunct="1"/>
             <a:r>
-              <a:rPr lang="en-US" smtClean="0"/>
+              <a:rPr lang="en-US"/>
               <a:t>Fourth level</a:t>
             </a:r>
           </a:p>
           <a:p>
             <a:pPr lvl="4" eaLnBrk="1" latinLnBrk="0" hangingPunct="1"/>
             <a:r>
-              <a:rPr lang="en-US" smtClean="0"/>
+              <a:rPr lang="en-US"/>
               <a:t>Fifth level</a:t>
             </a:r>
             <a:endParaRPr kumimoji="0" lang="en-US"/>
@@ -1490,7 +1501,7 @@
             <a:fld id="{27406D3F-E7C6-4CBD-AE6F-C0C9E9F7C852}" type="datetimeFigureOut">
               <a:rPr lang="en-US" smtClean="0"/>
               <a:pPr/>
-              <a:t>11/16/2019</a:t>
+              <a:t>11/30/2019</a:t>
             </a:fld>
             <a:endParaRPr lang="en-US"/>
           </a:p>
@@ -1595,10 +1606,9 @@
           </a:lstStyle>
           <a:p>
             <a:r>
-              <a:rPr kumimoji="0" lang="en-US" smtClean="0"/>
+              <a:rPr kumimoji="0" lang="en-US"/>
               <a:t>Click to edit Master title style</a:t>
             </a:r>
-            <a:endParaRPr kumimoji="0" lang="en-US"/>
           </a:p>
         </p:txBody>
       </p:sp>
@@ -1673,7 +1683,7 @@
           <a:p>
             <a:pPr lvl="0" eaLnBrk="1" latinLnBrk="0" hangingPunct="1"/>
             <a:r>
-              <a:rPr kumimoji="0" lang="en-US" smtClean="0"/>
+              <a:rPr kumimoji="0" lang="en-US"/>
               <a:t>Click to edit Master text styles</a:t>
             </a:r>
           </a:p>
@@ -1702,7 +1712,7 @@
             <a:fld id="{27406D3F-E7C6-4CBD-AE6F-C0C9E9F7C852}" type="datetimeFigureOut">
               <a:rPr lang="en-US" smtClean="0"/>
               <a:pPr/>
-              <a:t>11/16/2019</a:t>
+              <a:t>11/30/2019</a:t>
             </a:fld>
             <a:endParaRPr lang="en-US"/>
           </a:p>
@@ -2493,10 +2503,9 @@
           <a:lstStyle/>
           <a:p>
             <a:r>
-              <a:rPr kumimoji="0" lang="en-US" smtClean="0"/>
+              <a:rPr kumimoji="0" lang="en-US"/>
               <a:t>Click to edit Master title style</a:t>
             </a:r>
-            <a:endParaRPr kumimoji="0" lang="en-US"/>
           </a:p>
         </p:txBody>
       </p:sp>
@@ -2518,7 +2527,7 @@
             <a:fld id="{27406D3F-E7C6-4CBD-AE6F-C0C9E9F7C852}" type="datetimeFigureOut">
               <a:rPr lang="en-US" smtClean="0"/>
               <a:pPr/>
-              <a:t>11/16/2019</a:t>
+              <a:t>11/30/2019</a:t>
             </a:fld>
             <a:endParaRPr lang="en-US"/>
           </a:p>
@@ -2589,35 +2598,35 @@
           <a:p>
             <a:pPr lvl="0" eaLnBrk="1" latinLnBrk="0" hangingPunct="1"/>
             <a:r>
-              <a:rPr lang="en-US" smtClean="0"/>
+              <a:rPr lang="en-US"/>
               <a:t>Click to edit Master text styles</a:t>
             </a:r>
           </a:p>
           <a:p>
             <a:pPr lvl="1" eaLnBrk="1" latinLnBrk="0" hangingPunct="1"/>
             <a:r>
-              <a:rPr lang="en-US" smtClean="0"/>
+              <a:rPr lang="en-US"/>
               <a:t>Second level</a:t>
             </a:r>
           </a:p>
           <a:p>
             <a:pPr lvl="2" eaLnBrk="1" latinLnBrk="0" hangingPunct="1"/>
             <a:r>
-              <a:rPr lang="en-US" smtClean="0"/>
+              <a:rPr lang="en-US"/>
               <a:t>Third level</a:t>
             </a:r>
           </a:p>
           <a:p>
             <a:pPr lvl="3" eaLnBrk="1" latinLnBrk="0" hangingPunct="1"/>
             <a:r>
-              <a:rPr lang="en-US" smtClean="0"/>
+              <a:rPr lang="en-US"/>
               <a:t>Fourth level</a:t>
             </a:r>
           </a:p>
           <a:p>
             <a:pPr lvl="4" eaLnBrk="1" latinLnBrk="0" hangingPunct="1"/>
             <a:r>
-              <a:rPr lang="en-US" smtClean="0"/>
+              <a:rPr lang="en-US"/>
               <a:t>Fifth level</a:t>
             </a:r>
             <a:endParaRPr kumimoji="0" lang="en-US"/>
@@ -2646,35 +2655,35 @@
           <a:p>
             <a:pPr lvl="0" eaLnBrk="1" latinLnBrk="0" hangingPunct="1"/>
             <a:r>
-              <a:rPr lang="en-US" smtClean="0"/>
+              <a:rPr lang="en-US"/>
               <a:t>Click to edit Master text styles</a:t>
             </a:r>
           </a:p>
           <a:p>
             <a:pPr lvl="1" eaLnBrk="1" latinLnBrk="0" hangingPunct="1"/>
             <a:r>
-              <a:rPr lang="en-US" smtClean="0"/>
+              <a:rPr lang="en-US"/>
               <a:t>Second level</a:t>
             </a:r>
           </a:p>
           <a:p>
             <a:pPr lvl="2" eaLnBrk="1" latinLnBrk="0" hangingPunct="1"/>
             <a:r>
-              <a:rPr lang="en-US" smtClean="0"/>
+              <a:rPr lang="en-US"/>
               <a:t>Third level</a:t>
             </a:r>
           </a:p>
           <a:p>
             <a:pPr lvl="3" eaLnBrk="1" latinLnBrk="0" hangingPunct="1"/>
             <a:r>
-              <a:rPr lang="en-US" smtClean="0"/>
+              <a:rPr lang="en-US"/>
               <a:t>Fourth level</a:t>
             </a:r>
           </a:p>
           <a:p>
             <a:pPr lvl="4" eaLnBrk="1" latinLnBrk="0" hangingPunct="1"/>
             <a:r>
-              <a:rPr lang="en-US" smtClean="0"/>
+              <a:rPr lang="en-US"/>
               <a:t>Fifth level</a:t>
             </a:r>
             <a:endParaRPr kumimoji="0" lang="en-US"/>
@@ -2731,10 +2740,9 @@
           </a:lstStyle>
           <a:p>
             <a:r>
-              <a:rPr kumimoji="0" lang="en-US" smtClean="0"/>
+              <a:rPr kumimoji="0" lang="en-US"/>
               <a:t>Click to edit Master title style</a:t>
             </a:r>
-            <a:endParaRPr kumimoji="0" lang="en-US"/>
           </a:p>
         </p:txBody>
       </p:sp>
@@ -2756,7 +2764,7 @@
             <a:fld id="{27406D3F-E7C6-4CBD-AE6F-C0C9E9F7C852}" type="datetimeFigureOut">
               <a:rPr lang="en-US" smtClean="0"/>
               <a:pPr/>
-              <a:t>11/16/2019</a:t>
+              <a:t>11/30/2019</a:t>
             </a:fld>
             <a:endParaRPr lang="en-US"/>
           </a:p>
@@ -2827,35 +2835,35 @@
           <a:p>
             <a:pPr lvl="0" eaLnBrk="1" latinLnBrk="0" hangingPunct="1"/>
             <a:r>
-              <a:rPr lang="en-US" smtClean="0"/>
+              <a:rPr lang="en-US"/>
               <a:t>Click to edit Master text styles</a:t>
             </a:r>
           </a:p>
           <a:p>
             <a:pPr lvl="1" eaLnBrk="1" latinLnBrk="0" hangingPunct="1"/>
             <a:r>
-              <a:rPr lang="en-US" smtClean="0"/>
+              <a:rPr lang="en-US"/>
               <a:t>Second level</a:t>
             </a:r>
           </a:p>
           <a:p>
             <a:pPr lvl="2" eaLnBrk="1" latinLnBrk="0" hangingPunct="1"/>
             <a:r>
-              <a:rPr lang="en-US" smtClean="0"/>
+              <a:rPr lang="en-US"/>
               <a:t>Third level</a:t>
             </a:r>
           </a:p>
           <a:p>
             <a:pPr lvl="3" eaLnBrk="1" latinLnBrk="0" hangingPunct="1"/>
             <a:r>
-              <a:rPr lang="en-US" smtClean="0"/>
+              <a:rPr lang="en-US"/>
               <a:t>Fourth level</a:t>
             </a:r>
           </a:p>
           <a:p>
             <a:pPr lvl="4" eaLnBrk="1" latinLnBrk="0" hangingPunct="1"/>
             <a:r>
-              <a:rPr lang="en-US" smtClean="0"/>
+              <a:rPr lang="en-US"/>
               <a:t>Fifth level</a:t>
             </a:r>
             <a:endParaRPr kumimoji="0" lang="en-US"/>
@@ -2884,35 +2892,35 @@
           <a:p>
             <a:pPr lvl="0" eaLnBrk="1" latinLnBrk="0" hangingPunct="1"/>
             <a:r>
-              <a:rPr lang="en-US" smtClean="0"/>
+              <a:rPr lang="en-US"/>
               <a:t>Click to edit Master text styles</a:t>
             </a:r>
           </a:p>
           <a:p>
             <a:pPr lvl="1" eaLnBrk="1" latinLnBrk="0" hangingPunct="1"/>
             <a:r>
-              <a:rPr lang="en-US" smtClean="0"/>
+              <a:rPr lang="en-US"/>
               <a:t>Second level</a:t>
             </a:r>
           </a:p>
           <a:p>
             <a:pPr lvl="2" eaLnBrk="1" latinLnBrk="0" hangingPunct="1"/>
             <a:r>
-              <a:rPr lang="en-US" smtClean="0"/>
+              <a:rPr lang="en-US"/>
               <a:t>Third level</a:t>
             </a:r>
           </a:p>
           <a:p>
             <a:pPr lvl="3" eaLnBrk="1" latinLnBrk="0" hangingPunct="1"/>
             <a:r>
-              <a:rPr lang="en-US" smtClean="0"/>
+              <a:rPr lang="en-US"/>
               <a:t>Fourth level</a:t>
             </a:r>
           </a:p>
           <a:p>
             <a:pPr lvl="4" eaLnBrk="1" latinLnBrk="0" hangingPunct="1"/>
             <a:r>
-              <a:rPr lang="en-US" smtClean="0"/>
+              <a:rPr lang="en-US"/>
               <a:t>Fifth level</a:t>
             </a:r>
             <a:endParaRPr kumimoji="0" lang="en-US"/>
@@ -2961,7 +2969,7 @@
           <a:p>
             <a:pPr lvl="0" eaLnBrk="1" latinLnBrk="0" hangingPunct="1"/>
             <a:r>
-              <a:rPr kumimoji="0" lang="en-US" smtClean="0"/>
+              <a:rPr kumimoji="0" lang="en-US"/>
               <a:t>Click to edit Master text styles</a:t>
             </a:r>
           </a:p>
@@ -3009,7 +3017,7 @@
           <a:p>
             <a:pPr lvl="0" eaLnBrk="1" latinLnBrk="0" hangingPunct="1"/>
             <a:r>
-              <a:rPr kumimoji="0" lang="en-US" smtClean="0"/>
+              <a:rPr kumimoji="0" lang="en-US"/>
               <a:t>Click to edit Master text styles</a:t>
             </a:r>
           </a:p>
@@ -3056,10 +3064,9 @@
           <a:lstStyle/>
           <a:p>
             <a:r>
-              <a:rPr kumimoji="0" lang="en-US" smtClean="0"/>
+              <a:rPr kumimoji="0" lang="en-US"/>
               <a:t>Click to edit Master title style</a:t>
             </a:r>
-            <a:endParaRPr kumimoji="0" lang="en-US"/>
           </a:p>
         </p:txBody>
       </p:sp>
@@ -3081,7 +3088,7 @@
             <a:fld id="{27406D3F-E7C6-4CBD-AE6F-C0C9E9F7C852}" type="datetimeFigureOut">
               <a:rPr lang="en-US" smtClean="0"/>
               <a:pPr/>
-              <a:t>11/16/2019</a:t>
+              <a:t>11/30/2019</a:t>
             </a:fld>
             <a:endParaRPr lang="en-US"/>
           </a:p>
@@ -3173,7 +3180,7 @@
             <a:fld id="{27406D3F-E7C6-4CBD-AE6F-C0C9E9F7C852}" type="datetimeFigureOut">
               <a:rPr lang="en-US" smtClean="0"/>
               <a:pPr/>
-              <a:t>11/16/2019</a:t>
+              <a:t>11/30/2019</a:t>
             </a:fld>
             <a:endParaRPr lang="en-US"/>
           </a:p>
@@ -3317,10 +3324,9 @@
           </a:lstStyle>
           <a:p>
             <a:r>
-              <a:rPr kumimoji="0" lang="en-US" smtClean="0"/>
+              <a:rPr kumimoji="0" lang="en-US"/>
               <a:t>Click to edit Master title style</a:t>
             </a:r>
-            <a:endParaRPr kumimoji="0" lang="en-US"/>
           </a:p>
         </p:txBody>
       </p:sp>
@@ -3373,7 +3379,7 @@
           <a:p>
             <a:pPr lvl="0" eaLnBrk="1" latinLnBrk="0" hangingPunct="1"/>
             <a:r>
-              <a:rPr kumimoji="0" lang="en-US" smtClean="0"/>
+              <a:rPr kumimoji="0" lang="en-US"/>
               <a:t>Click to edit Master text styles</a:t>
             </a:r>
           </a:p>
@@ -3639,35 +3645,35 @@
           <a:p>
             <a:pPr lvl="0" eaLnBrk="1" latinLnBrk="0" hangingPunct="1"/>
             <a:r>
-              <a:rPr lang="en-US" smtClean="0"/>
+              <a:rPr lang="en-US"/>
               <a:t>Click to edit Master text styles</a:t>
             </a:r>
           </a:p>
           <a:p>
             <a:pPr lvl="1" eaLnBrk="1" latinLnBrk="0" hangingPunct="1"/>
             <a:r>
-              <a:rPr lang="en-US" smtClean="0"/>
+              <a:rPr lang="en-US"/>
               <a:t>Second level</a:t>
             </a:r>
           </a:p>
           <a:p>
             <a:pPr lvl="2" eaLnBrk="1" latinLnBrk="0" hangingPunct="1"/>
             <a:r>
-              <a:rPr lang="en-US" smtClean="0"/>
+              <a:rPr lang="en-US"/>
               <a:t>Third level</a:t>
             </a:r>
           </a:p>
           <a:p>
             <a:pPr lvl="3" eaLnBrk="1" latinLnBrk="0" hangingPunct="1"/>
             <a:r>
-              <a:rPr lang="en-US" smtClean="0"/>
+              <a:rPr lang="en-US"/>
               <a:t>Fourth level</a:t>
             </a:r>
           </a:p>
           <a:p>
             <a:pPr lvl="4" eaLnBrk="1" latinLnBrk="0" hangingPunct="1"/>
             <a:r>
-              <a:rPr lang="en-US" smtClean="0"/>
+              <a:rPr lang="en-US"/>
               <a:t>Fifth level</a:t>
             </a:r>
             <a:endParaRPr kumimoji="0" lang="en-US"/>
@@ -3692,7 +3698,7 @@
             <a:fld id="{27406D3F-E7C6-4CBD-AE6F-C0C9E9F7C852}" type="datetimeFigureOut">
               <a:rPr lang="en-US" smtClean="0"/>
               <a:pPr/>
-              <a:t>11/16/2019</a:t>
+              <a:t>11/30/2019</a:t>
             </a:fld>
             <a:endParaRPr lang="en-US"/>
           </a:p>
@@ -3873,10 +3879,9 @@
           </a:lstStyle>
           <a:p>
             <a:r>
-              <a:rPr kumimoji="0" lang="en-US" smtClean="0"/>
+              <a:rPr kumimoji="0" lang="en-US"/>
               <a:t>Click to edit Master title style</a:t>
             </a:r>
-            <a:endParaRPr kumimoji="0" lang="en-US"/>
           </a:p>
         </p:txBody>
       </p:sp>
@@ -3932,7 +3937,7 @@
               <a:buNone/>
             </a:pPr>
             <a:r>
-              <a:rPr kumimoji="0" lang="en-US" smtClean="0"/>
+              <a:rPr kumimoji="0" lang="en-US"/>
               <a:t>Click icon to add picture</a:t>
             </a:r>
             <a:endParaRPr kumimoji="0" lang="en-US" dirty="0"/>
@@ -3987,7 +3992,7 @@
           <a:p>
             <a:pPr lvl="0" eaLnBrk="1" latinLnBrk="0" hangingPunct="1"/>
             <a:r>
-              <a:rPr kumimoji="0" lang="en-US" smtClean="0"/>
+              <a:rPr kumimoji="0" lang="en-US"/>
               <a:t>Click to edit Master text styles</a:t>
             </a:r>
           </a:p>
@@ -4205,7 +4210,7 @@
             <a:fld id="{27406D3F-E7C6-4CBD-AE6F-C0C9E9F7C852}" type="datetimeFigureOut">
               <a:rPr lang="en-US" smtClean="0"/>
               <a:pPr/>
-              <a:t>11/16/2019</a:t>
+              <a:t>11/30/2019</a:t>
             </a:fld>
             <a:endParaRPr lang="en-US"/>
           </a:p>
@@ -4349,10 +4354,9 @@
           <a:lstStyle/>
           <a:p>
             <a:r>
-              <a:rPr kumimoji="0" lang="en-US" smtClean="0"/>
+              <a:rPr kumimoji="0" lang="en-US"/>
               <a:t>Click to edit Master title style</a:t>
             </a:r>
-            <a:endParaRPr kumimoji="0" lang="en-US"/>
           </a:p>
         </p:txBody>
       </p:sp>
@@ -4383,38 +4387,37 @@
           <a:p>
             <a:pPr lvl="0" eaLnBrk="1" latinLnBrk="0" hangingPunct="1"/>
             <a:r>
-              <a:rPr kumimoji="0" lang="en-US" smtClean="0"/>
+              <a:rPr kumimoji="0" lang="en-US"/>
               <a:t>Click to edit Master text styles</a:t>
             </a:r>
           </a:p>
           <a:p>
             <a:pPr lvl="1" eaLnBrk="1" latinLnBrk="0" hangingPunct="1"/>
             <a:r>
-              <a:rPr kumimoji="0" lang="en-US" smtClean="0"/>
+              <a:rPr kumimoji="0" lang="en-US"/>
               <a:t>Second level</a:t>
             </a:r>
           </a:p>
           <a:p>
             <a:pPr lvl="2" eaLnBrk="1" latinLnBrk="0" hangingPunct="1"/>
             <a:r>
-              <a:rPr kumimoji="0" lang="en-US" smtClean="0"/>
+              <a:rPr kumimoji="0" lang="en-US"/>
               <a:t>Third level</a:t>
             </a:r>
           </a:p>
           <a:p>
             <a:pPr lvl="3" eaLnBrk="1" latinLnBrk="0" hangingPunct="1"/>
             <a:r>
-              <a:rPr kumimoji="0" lang="en-US" smtClean="0"/>
+              <a:rPr kumimoji="0" lang="en-US"/>
               <a:t>Fourth level</a:t>
             </a:r>
           </a:p>
           <a:p>
             <a:pPr lvl="4" eaLnBrk="1" latinLnBrk="0" hangingPunct="1"/>
             <a:r>
-              <a:rPr kumimoji="0" lang="en-US" smtClean="0"/>
+              <a:rPr kumimoji="0" lang="en-US"/>
               <a:t>Fifth level</a:t>
             </a:r>
-            <a:endParaRPr kumimoji="0" lang="en-US"/>
           </a:p>
         </p:txBody>
       </p:sp>
@@ -4452,7 +4455,7 @@
             <a:fld id="{27406D3F-E7C6-4CBD-AE6F-C0C9E9F7C852}" type="datetimeFigureOut">
               <a:rPr lang="en-US" smtClean="0"/>
               <a:pPr/>
-              <a:t>11/16/2019</a:t>
+              <a:t>11/30/2019</a:t>
             </a:fld>
             <a:endParaRPr lang="en-US"/>
           </a:p>
@@ -5081,15 +5084,14 @@
           <a:lstStyle/>
           <a:p>
             <a:pPr algn="ctr"/>
-            <a:endParaRPr lang="en-US" sz="3200" dirty="0" smtClean="0"/>
+            <a:endParaRPr lang="en-US" sz="3200" dirty="0"/>
           </a:p>
           <a:p>
             <a:pPr algn="ctr"/>
             <a:r>
-              <a:rPr lang="en-US" sz="3200" dirty="0" smtClean="0"/>
+              <a:rPr lang="en-US" sz="3200" dirty="0"/>
               <a:t>Vulnerability Analysis  </a:t>
             </a:r>
-            <a:endParaRPr lang="en-US" sz="3200" dirty="0"/>
           </a:p>
         </p:txBody>
       </p:sp>
@@ -5127,13 +5129,6 @@
   <p:clrMapOvr>
     <a:masterClrMapping/>
   </p:clrMapOvr>
-  <p:timing>
-    <p:tnLst>
-      <p:par>
-        <p:cTn id="1" dur="indefinite" restart="never" nodeType="tmRoot"/>
-      </p:par>
-    </p:tnLst>
-  </p:timing>
 </p:sld>
 </file>
 
@@ -5185,13 +5180,6 @@
   <p:clrMapOvr>
     <a:masterClrMapping/>
   </p:clrMapOvr>
-  <p:timing>
-    <p:tnLst>
-      <p:par>
-        <p:cTn id="1" dur="indefinite" restart="never" nodeType="tmRoot"/>
-      </p:par>
-    </p:tnLst>
-  </p:timing>
 </p:sld>
 </file>
 
@@ -5294,13 +5282,6 @@
   <p:clrMapOvr>
     <a:masterClrMapping/>
   </p:clrMapOvr>
-  <p:timing>
-    <p:tnLst>
-      <p:par>
-        <p:cTn id="1" dur="indefinite" restart="never" nodeType="tmRoot"/>
-      </p:par>
-    </p:tnLst>
-  </p:timing>
 </p:sld>
 </file>
 
@@ -5380,13 +5361,6 @@
   <p:clrMapOvr>
     <a:masterClrMapping/>
   </p:clrMapOvr>
-  <p:timing>
-    <p:tnLst>
-      <p:par>
-        <p:cTn id="1" dur="indefinite" restart="never" nodeType="tmRoot"/>
-      </p:par>
-    </p:tnLst>
-  </p:timing>
 </p:sld>
 </file>
 
@@ -5466,13 +5440,6 @@
   <p:clrMapOvr>
     <a:masterClrMapping/>
   </p:clrMapOvr>
-  <p:timing>
-    <p:tnLst>
-      <p:par>
-        <p:cTn id="1" dur="indefinite" restart="never" nodeType="tmRoot"/>
-      </p:par>
-    </p:tnLst>
-  </p:timing>
 </p:sld>
 </file>
 
@@ -5552,13 +5519,6 @@
   <p:clrMapOvr>
     <a:masterClrMapping/>
   </p:clrMapOvr>
-  <p:timing>
-    <p:tnLst>
-      <p:par>
-        <p:cTn id="1" dur="indefinite" restart="never" nodeType="tmRoot"/>
-      </p:par>
-    </p:tnLst>
-  </p:timing>
 </p:sld>
 </file>
 
@@ -5647,13 +5607,6 @@
   <p:clrMapOvr>
     <a:masterClrMapping/>
   </p:clrMapOvr>
-  <p:timing>
-    <p:tnLst>
-      <p:par>
-        <p:cTn id="1" dur="indefinite" restart="never" nodeType="tmRoot"/>
-      </p:par>
-    </p:tnLst>
-  </p:timing>
 </p:sld>
 </file>
 
@@ -5697,16 +5650,8 @@
           <a:lstStyle/>
           <a:p>
             <a:r>
-              <a:rPr lang="en-US" sz="2400" dirty="0" smtClean="0"/>
-              <a:t>Computer has although  having hardware and software . However,  these computer has been </a:t>
-            </a:r>
-            <a:r>
               <a:rPr lang="en-US" sz="2400" dirty="0"/>
-              <a:t> </a:t>
-            </a:r>
-            <a:r>
-              <a:rPr lang="en-US" sz="2400" dirty="0" smtClean="0"/>
-              <a:t>in any organization . </a:t>
+              <a:t>Computer has although  having hardware and software . However,  these computer has been  in any organization . </a:t>
             </a:r>
           </a:p>
           <a:p>
@@ -5714,7 +5659,7 @@
           </a:p>
           <a:p>
             <a:r>
-              <a:rPr lang="en-US" sz="2400" dirty="0" smtClean="0"/>
+              <a:rPr lang="en-US" sz="2400" dirty="0"/>
               <a:t>Computers  being used in organization  should have to follow the policy and procedure </a:t>
             </a:r>
           </a:p>
@@ -5725,13 +5670,6 @@
   <p:clrMapOvr>
     <a:masterClrMapping/>
   </p:clrMapOvr>
-  <p:timing>
-    <p:tnLst>
-      <p:par>
-        <p:cTn id="1" dur="indefinite" restart="never" nodeType="tmRoot"/>
-      </p:par>
-    </p:tnLst>
-  </p:timing>
 </p:sld>
 </file>
 
@@ -5775,7 +5713,7 @@
           <a:lstStyle/>
           <a:p>
             <a:r>
-              <a:rPr lang="en-US" sz="2400" dirty="0" smtClean="0"/>
+              <a:rPr lang="en-US" sz="2400" dirty="0"/>
               <a:t>How security  gets failed ?</a:t>
             </a:r>
           </a:p>
@@ -5804,7 +5742,7 @@
           <a:lstStyle/>
           <a:p>
             <a:r>
-              <a:rPr lang="en-US" sz="2400" dirty="0" smtClean="0"/>
+              <a:rPr lang="en-US" sz="2400" dirty="0"/>
               <a:t>When there are loop holes in the software or hardware then then vulnerability going to be aroused  from that</a:t>
             </a:r>
           </a:p>
@@ -5833,7 +5771,7 @@
           <a:lstStyle/>
           <a:p>
             <a:r>
-              <a:rPr lang="en-US" sz="2400" dirty="0" smtClean="0"/>
+              <a:rPr lang="en-US" sz="2400" dirty="0"/>
               <a:t>Person takes advantages of lapses in  procedure, technology  or  in management.</a:t>
             </a:r>
           </a:p>
@@ -5862,7 +5800,7 @@
           <a:lstStyle/>
           <a:p>
             <a:r>
-              <a:rPr lang="en-US" sz="2400" dirty="0" smtClean="0"/>
+              <a:rPr lang="en-US" sz="2400" dirty="0"/>
               <a:t>Hence it is called the security  or Vulnerability flaws</a:t>
             </a:r>
           </a:p>
@@ -5876,13 +5814,6 @@
   <p:transition spd="slow">
     <p:wipe dir="r"/>
   </p:transition>
-  <p:timing>
-    <p:tnLst>
-      <p:par>
-        <p:cTn id="1" dur="indefinite" restart="never" nodeType="tmRoot"/>
-      </p:par>
-    </p:tnLst>
-  </p:timing>
 </p:sld>
 </file>
 
@@ -5926,7 +5857,7 @@
           <a:lstStyle/>
           <a:p>
             <a:r>
-              <a:rPr lang="en-US" sz="2400" dirty="0" smtClean="0"/>
+              <a:rPr lang="en-US" sz="2400" dirty="0"/>
               <a:t> Authentication and Authorization</a:t>
             </a:r>
           </a:p>
@@ -5934,11 +5865,11 @@
             <a:endParaRPr lang="en-US" sz="2400" dirty="0"/>
           </a:p>
           <a:p>
-            <a:endParaRPr lang="en-US" sz="2400" dirty="0" smtClean="0"/>
-          </a:p>
-          <a:p>
-            <a:r>
-              <a:rPr lang="en-US" sz="2400" dirty="0" smtClean="0"/>
+            <a:endParaRPr lang="en-US" sz="2400" dirty="0"/>
+          </a:p>
+          <a:p>
+            <a:r>
+              <a:rPr lang="en-US" sz="2400" dirty="0"/>
               <a:t>Plays very important role as far accessing system is concerned. </a:t>
             </a:r>
           </a:p>
@@ -5947,16 +5878,15 @@
           </a:p>
           <a:p>
             <a:r>
-              <a:rPr lang="en-US" sz="2400" dirty="0" smtClean="0"/>
+              <a:rPr lang="en-US" sz="2400" dirty="0"/>
               <a:t>You may access to the system. However, you have access to only the portion of system</a:t>
             </a:r>
+          </a:p>
+          <a:p>
             <a:endParaRPr lang="en-US" sz="2400" dirty="0"/>
           </a:p>
           <a:p>
-            <a:endParaRPr lang="en-US" sz="2400" dirty="0" smtClean="0"/>
-          </a:p>
-          <a:p>
-            <a:endParaRPr lang="en-US" sz="2400" dirty="0" smtClean="0"/>
+            <a:endParaRPr lang="en-US" sz="2400" dirty="0"/>
           </a:p>
         </p:txBody>
       </p:sp>
@@ -5968,13 +5898,6 @@
   <p:transition spd="slow">
     <p:wipe dir="r"/>
   </p:transition>
-  <p:timing>
-    <p:tnLst>
-      <p:par>
-        <p:cTn id="1" dur="indefinite" restart="never" nodeType="tmRoot"/>
-      </p:par>
-    </p:tnLst>
-  </p:timing>
 </p:sld>
 </file>
 
@@ -6018,7 +5941,7 @@
           <a:lstStyle/>
           <a:p>
             <a:r>
-              <a:rPr lang="en-US" sz="2400" dirty="0" smtClean="0"/>
+              <a:rPr lang="en-US" sz="2400" dirty="0"/>
               <a:t>Many administrative users are authorized  to create new accounts. </a:t>
             </a:r>
           </a:p>
@@ -6027,7 +5950,7 @@
           </a:p>
           <a:p>
             <a:r>
-              <a:rPr lang="en-US" sz="2400" dirty="0" smtClean="0"/>
+              <a:rPr lang="en-US" sz="2400" dirty="0"/>
               <a:t>Suppose user do not have administrative user can add new entry into the database  of users, thereby creating new account.</a:t>
             </a:r>
           </a:p>
@@ -6036,7 +5959,7 @@
           </a:p>
           <a:p>
             <a:r>
-              <a:rPr lang="en-US" sz="2400" dirty="0" smtClean="0"/>
+              <a:rPr lang="en-US" sz="2400" dirty="0"/>
               <a:t>This operation is  forbidden to the non admin users.</a:t>
             </a:r>
           </a:p>
@@ -6045,15 +5968,15 @@
           </a:p>
           <a:p>
             <a:r>
-              <a:rPr lang="en-US" sz="2400" dirty="0" smtClean="0"/>
+              <a:rPr lang="en-US" sz="2400" dirty="0"/>
               <a:t>Unauthorized  user has taken access to system , done damage to the system.</a:t>
             </a:r>
           </a:p>
           <a:p>
-            <a:endParaRPr lang="en-US" sz="2400" dirty="0" smtClean="0"/>
-          </a:p>
-          <a:p>
-            <a:endParaRPr lang="en-US" sz="2400" dirty="0" smtClean="0"/>
+            <a:endParaRPr lang="en-US" sz="2400" dirty="0"/>
+          </a:p>
+          <a:p>
+            <a:endParaRPr lang="en-US" sz="2400" dirty="0"/>
           </a:p>
         </p:txBody>
       </p:sp>
@@ -6065,13 +5988,6 @@
   <p:transition spd="slow">
     <p:wipe dir="r"/>
   </p:transition>
-  <p:timing>
-    <p:tnLst>
-      <p:par>
-        <p:cTn id="1" dur="indefinite" restart="never" nodeType="tmRoot"/>
-      </p:par>
-    </p:tnLst>
-  </p:timing>
 </p:sld>
 </file>
 
@@ -6114,10 +6030,9 @@
           <a:lstStyle/>
           <a:p>
             <a:r>
-              <a:rPr lang="en-US" dirty="0" smtClean="0"/>
+              <a:rPr lang="en-US" dirty="0"/>
               <a:t>https://www.trustwave.com/en-us/resources/blogs/spiderlabs-blog/multi-stage-email-word-attack-without-macros/</a:t>
             </a:r>
-            <a:endParaRPr lang="en-US" dirty="0"/>
           </a:p>
         </p:txBody>
       </p:sp>
@@ -6159,13 +6074,6 @@
   <p:clrMapOvr>
     <a:masterClrMapping/>
   </p:clrMapOvr>
-  <p:timing>
-    <p:tnLst>
-      <p:par>
-        <p:cTn id="1" dur="indefinite" restart="never" nodeType="tmRoot"/>
-      </p:par>
-    </p:tnLst>
-  </p:timing>
 </p:sld>
 </file>
 
@@ -6209,7 +6117,7 @@
           <a:lstStyle/>
           <a:p>
             <a:r>
-              <a:rPr lang="en-US" sz="2400" dirty="0" smtClean="0"/>
+              <a:rPr lang="en-US" sz="2400" dirty="0"/>
               <a:t>Format verification and property based testing  are technique for detecting the vulnerabilities.</a:t>
             </a:r>
           </a:p>
@@ -6218,7 +6126,7 @@
           </a:p>
           <a:p>
             <a:r>
-              <a:rPr lang="en-US" sz="2400" dirty="0" smtClean="0"/>
+              <a:rPr lang="en-US" sz="2400" dirty="0"/>
               <a:t>Both are based on the  design and implementation  of  computer System. </a:t>
             </a:r>
           </a:p>
@@ -6226,19 +6134,19 @@
             <a:endParaRPr lang="en-US" sz="2400" dirty="0"/>
           </a:p>
           <a:p>
-            <a:endParaRPr lang="en-US" sz="2400" dirty="0" smtClean="0"/>
-          </a:p>
-          <a:p>
-            <a:r>
-              <a:rPr lang="en-US" sz="2400" dirty="0" smtClean="0"/>
+            <a:endParaRPr lang="en-US" sz="2400" dirty="0"/>
+          </a:p>
+          <a:p>
+            <a:r>
+              <a:rPr lang="en-US" sz="2400" dirty="0"/>
               <a:t>It is exploitation of the system. You can use the tool access the system.</a:t>
             </a:r>
           </a:p>
           <a:p>
-            <a:endParaRPr lang="en-US" sz="2400" dirty="0" smtClean="0"/>
-          </a:p>
-          <a:p>
-            <a:endParaRPr lang="en-US" sz="2400" dirty="0" smtClean="0"/>
+            <a:endParaRPr lang="en-US" sz="2400" dirty="0"/>
+          </a:p>
+          <a:p>
+            <a:endParaRPr lang="en-US" sz="2400" dirty="0"/>
           </a:p>
         </p:txBody>
       </p:sp>
@@ -6250,13 +6158,6 @@
   <p:transition spd="slow">
     <p:wipe dir="r"/>
   </p:transition>
-  <p:timing>
-    <p:tnLst>
-      <p:par>
-        <p:cTn id="1" dur="indefinite" restart="never" nodeType="tmRoot"/>
-      </p:par>
-    </p:tnLst>
-  </p:timing>
 </p:sld>
 </file>
 
@@ -6300,7 +6201,7 @@
           <a:lstStyle/>
           <a:p>
             <a:r>
-              <a:rPr lang="en-US" sz="2400" dirty="0" smtClean="0"/>
+              <a:rPr lang="en-US" sz="2400" dirty="0"/>
               <a:t>You can hunt for vulnerabilities in a system by writing the code in python</a:t>
             </a:r>
           </a:p>
@@ -6314,13 +6215,6 @@
   <p:transition spd="slow">
     <p:wipe dir="r"/>
   </p:transition>
-  <p:timing>
-    <p:tnLst>
-      <p:par>
-        <p:cTn id="1" dur="indefinite" restart="never" nodeType="tmRoot"/>
-      </p:par>
-    </p:tnLst>
-  </p:timing>
 </p:sld>
 </file>
 
@@ -6364,15 +6258,14 @@
           <a:lstStyle/>
           <a:p>
             <a:pPr algn="ctr"/>
-            <a:endParaRPr lang="en-US" sz="4000" dirty="0" smtClean="0"/>
+            <a:endParaRPr lang="en-US" sz="4000" dirty="0"/>
           </a:p>
           <a:p>
             <a:pPr algn="ctr"/>
             <a:r>
-              <a:rPr lang="en-US" sz="4000" dirty="0" smtClean="0"/>
+              <a:rPr lang="en-US" sz="4000" dirty="0"/>
               <a:t>Vulnerability Management  </a:t>
             </a:r>
-            <a:endParaRPr lang="en-US" sz="4000" dirty="0"/>
           </a:p>
         </p:txBody>
       </p:sp>
@@ -6381,13 +6274,6 @@
   <p:clrMapOvr>
     <a:masterClrMapping/>
   </p:clrMapOvr>
-  <p:timing>
-    <p:tnLst>
-      <p:par>
-        <p:cTn id="1" dur="indefinite" restart="never" nodeType="tmRoot"/>
-      </p:par>
-    </p:tnLst>
-  </p:timing>
 </p:sld>
 </file>
 
@@ -6432,10 +6318,9 @@
           <a:p>
             <a:pPr algn="ctr"/>
             <a:r>
-              <a:rPr lang="en-US" sz="23900" dirty="0" smtClean="0"/>
+              <a:rPr lang="en-US" sz="23900" dirty="0"/>
               <a:t>?</a:t>
             </a:r>
-            <a:endParaRPr lang="en-US" sz="23900" dirty="0"/>
           </a:p>
         </p:txBody>
       </p:sp>
@@ -6444,13 +6329,6 @@
   <p:clrMapOvr>
     <a:masterClrMapping/>
   </p:clrMapOvr>
-  <p:timing>
-    <p:tnLst>
-      <p:par>
-        <p:cTn id="1" dur="indefinite" restart="never" nodeType="tmRoot"/>
-      </p:par>
-    </p:tnLst>
-  </p:timing>
 </p:sld>
 </file>
 
@@ -6495,15 +6373,15 @@
           <a:p>
             <a:pPr algn="just"/>
             <a:r>
-              <a:rPr lang="en-US" sz="3200" dirty="0" smtClean="0"/>
+              <a:rPr lang="en-US" sz="3200" dirty="0"/>
               <a:t>Process of managing  the risk presented to enterprise  due to </a:t>
             </a:r>
             <a:r>
-              <a:rPr lang="en-US" sz="3200" dirty="0" err="1" smtClean="0"/>
+              <a:rPr lang="en-US" sz="3200" dirty="0" err="1"/>
               <a:t>vulnerabilites</a:t>
             </a:r>
             <a:r>
-              <a:rPr lang="en-US" sz="3200" dirty="0" smtClean="0"/>
+              <a:rPr lang="en-US" sz="3200" dirty="0"/>
               <a:t>, related to software or hardware</a:t>
             </a:r>
           </a:p>
@@ -6532,10 +6410,9 @@
           <a:lstStyle/>
           <a:p>
             <a:r>
-              <a:rPr lang="en-US" sz="3200" dirty="0" smtClean="0"/>
+              <a:rPr lang="en-US" sz="3200" dirty="0"/>
               <a:t>It is related to discovery </a:t>
             </a:r>
-            <a:endParaRPr lang="en-US" sz="3200" dirty="0"/>
           </a:p>
         </p:txBody>
       </p:sp>
@@ -6562,10 +6439,9 @@
           <a:lstStyle/>
           <a:p>
             <a:r>
-              <a:rPr lang="en-US" sz="3200" dirty="0" smtClean="0"/>
+              <a:rPr lang="en-US" sz="3200" dirty="0"/>
               <a:t>It is related to security practices</a:t>
             </a:r>
-            <a:endParaRPr lang="en-US" sz="3200" dirty="0"/>
           </a:p>
         </p:txBody>
       </p:sp>
@@ -6592,10 +6468,9 @@
           <a:lstStyle/>
           <a:p>
             <a:r>
-              <a:rPr lang="en-US" sz="3200" dirty="0" smtClean="0"/>
+              <a:rPr lang="en-US" sz="3200" dirty="0"/>
               <a:t>Process to assist managing security</a:t>
             </a:r>
-            <a:endParaRPr lang="en-US" sz="3200" dirty="0"/>
           </a:p>
         </p:txBody>
       </p:sp>
@@ -6604,13 +6479,6 @@
   <p:clrMapOvr>
     <a:masterClrMapping/>
   </p:clrMapOvr>
-  <p:timing>
-    <p:tnLst>
-      <p:par>
-        <p:cTn id="1" dur="indefinite" restart="never" nodeType="tmRoot"/>
-      </p:par>
-    </p:tnLst>
-  </p:timing>
 </p:sld>
 </file>
 
@@ -6654,10 +6522,9 @@
           <a:lstStyle/>
           <a:p>
             <a:r>
-              <a:rPr lang="en-US" sz="3200" dirty="0" smtClean="0"/>
+              <a:rPr lang="en-US" sz="3200" dirty="0"/>
               <a:t>Document Goal, Object, and Success criteria</a:t>
             </a:r>
-            <a:endParaRPr lang="en-US" sz="3200" dirty="0"/>
           </a:p>
         </p:txBody>
       </p:sp>
@@ -6684,10 +6551,9 @@
           <a:lstStyle/>
           <a:p>
             <a:r>
-              <a:rPr lang="en-US" sz="3200" dirty="0" smtClean="0"/>
+              <a:rPr lang="en-US" sz="3200" dirty="0"/>
               <a:t>Plan must be measurable  and mapped to organizational   risk as well as IT risk</a:t>
             </a:r>
-            <a:endParaRPr lang="en-US" sz="3200" dirty="0"/>
           </a:p>
         </p:txBody>
       </p:sp>
@@ -6714,10 +6580,9 @@
           <a:lstStyle/>
           <a:p>
             <a:r>
-              <a:rPr lang="en-US" sz="3200" dirty="0" smtClean="0"/>
+              <a:rPr lang="en-US" sz="3200" dirty="0"/>
               <a:t>It is like project planning</a:t>
             </a:r>
-            <a:endParaRPr lang="en-US" sz="3200" dirty="0"/>
           </a:p>
         </p:txBody>
       </p:sp>
@@ -6744,10 +6609,9 @@
           <a:lstStyle/>
           <a:p>
             <a:r>
-              <a:rPr lang="en-US" sz="3200" dirty="0" smtClean="0"/>
+              <a:rPr lang="en-US" sz="3200" dirty="0"/>
               <a:t>Its intent and relevance to business</a:t>
             </a:r>
-            <a:endParaRPr lang="en-US" sz="3200" dirty="0"/>
           </a:p>
         </p:txBody>
       </p:sp>
@@ -6756,13 +6620,6 @@
   <p:clrMapOvr>
     <a:masterClrMapping/>
   </p:clrMapOvr>
-  <p:timing>
-    <p:tnLst>
-      <p:par>
-        <p:cTn id="1" dur="indefinite" restart="never" nodeType="tmRoot"/>
-      </p:par>
-    </p:tnLst>
-  </p:timing>
 </p:sld>
 </file>
 
@@ -6806,10 +6663,9 @@
           <a:lstStyle/>
           <a:p>
             <a:r>
-              <a:rPr lang="en-US" sz="3200" dirty="0" smtClean="0"/>
+              <a:rPr lang="en-US" sz="3200" dirty="0"/>
               <a:t>Understand organization tolerance and  appetite risk</a:t>
             </a:r>
-            <a:endParaRPr lang="en-US" sz="3200" dirty="0"/>
           </a:p>
         </p:txBody>
       </p:sp>
@@ -6836,10 +6692,9 @@
           <a:lstStyle/>
           <a:p>
             <a:r>
-              <a:rPr lang="en-US" sz="3200" dirty="0" smtClean="0"/>
+              <a:rPr lang="en-US" sz="3200" dirty="0"/>
               <a:t>Acceptable level of risk</a:t>
             </a:r>
-            <a:endParaRPr lang="en-US" sz="3200" dirty="0"/>
           </a:p>
         </p:txBody>
       </p:sp>
@@ -6848,13 +6703,6 @@
   <p:clrMapOvr>
     <a:masterClrMapping/>
   </p:clrMapOvr>
-  <p:timing>
-    <p:tnLst>
-      <p:par>
-        <p:cTn id="1" dur="indefinite" restart="never" nodeType="tmRoot"/>
-      </p:par>
-    </p:tnLst>
-  </p:timing>
 </p:sld>
 </file>
 
@@ -6913,13 +6761,6 @@
   <p:clrMapOvr>
     <a:masterClrMapping/>
   </p:clrMapOvr>
-  <p:timing>
-    <p:tnLst>
-      <p:par>
-        <p:cTn id="1" dur="indefinite" restart="never" nodeType="tmRoot"/>
-      </p:par>
-    </p:tnLst>
-  </p:timing>
 </p:sld>
 </file>
 
@@ -6978,13 +6819,6 @@
   <p:clrMapOvr>
     <a:masterClrMapping/>
   </p:clrMapOvr>
-  <p:timing>
-    <p:tnLst>
-      <p:par>
-        <p:cTn id="1" dur="indefinite" restart="never" nodeType="tmRoot"/>
-      </p:par>
-    </p:tnLst>
-  </p:timing>
 </p:sld>
 </file>
 
@@ -7043,13 +6877,6 @@
   <p:clrMapOvr>
     <a:masterClrMapping/>
   </p:clrMapOvr>
-  <p:timing>
-    <p:tnLst>
-      <p:par>
-        <p:cTn id="1" dur="indefinite" restart="never" nodeType="tmRoot"/>
-      </p:par>
-    </p:tnLst>
-  </p:timing>
 </p:sld>
 </file>
 
@@ -7172,13 +6999,6 @@
   <p:clrMapOvr>
     <a:masterClrMapping/>
   </p:clrMapOvr>
-  <p:timing>
-    <p:tnLst>
-      <p:par>
-        <p:cTn id="1" dur="indefinite" restart="never" nodeType="tmRoot"/>
-      </p:par>
-    </p:tnLst>
-  </p:timing>
 </p:sld>
 </file>
 
@@ -7230,13 +7050,6 @@
   <p:clrMapOvr>
     <a:masterClrMapping/>
   </p:clrMapOvr>
-  <p:timing>
-    <p:tnLst>
-      <p:par>
-        <p:cTn id="1" dur="indefinite" restart="never" nodeType="tmRoot"/>
-      </p:par>
-    </p:tnLst>
-  </p:timing>
 </p:sld>
 </file>
 
@@ -7324,13 +7137,6 @@
   <p:clrMapOvr>
     <a:masterClrMapping/>
   </p:clrMapOvr>
-  <p:timing>
-    <p:tnLst>
-      <p:par>
-        <p:cTn id="1" dur="indefinite" restart="never" nodeType="tmRoot"/>
-      </p:par>
-    </p:tnLst>
-  </p:timing>
 </p:sld>
 </file>
 
@@ -7438,13 +7244,6 @@
   <p:clrMapOvr>
     <a:masterClrMapping/>
   </p:clrMapOvr>
-  <p:timing>
-    <p:tnLst>
-      <p:par>
-        <p:cTn id="1" dur="indefinite" restart="never" nodeType="tmRoot"/>
-      </p:par>
-    </p:tnLst>
-  </p:timing>
 </p:sld>
 </file>
 
